--- a/Pitch/Presentation.pptx
+++ b/Pitch/Presentation.pptx
@@ -9,6 +9,7 @@
     <p:sldId id="257" r:id="rId3"/>
     <p:sldId id="258" r:id="rId4"/>
     <p:sldId id="259" r:id="rId5"/>
+    <p:sldId id="260" r:id="rId6"/>
   </p:sldIdLst>
   <p:sldSz cx="12192000" cy="6858000"/>
   <p:notesSz cx="6858000" cy="9144000"/>
@@ -3270,29 +3271,168 @@
           <a:chExt cx="0" cy="0"/>
         </a:xfrm>
       </p:grpSpPr>
-      <p:sp>
-        <p:nvSpPr>
-          <p:cNvPr id="3" name="Content Placeholder 2"/>
-          <p:cNvSpPr>
-            <a:spLocks noGrp="1"/>
-          </p:cNvSpPr>
+      <p:pic>
+        <p:nvPicPr>
+          <p:cNvPr id="4" name="Content Placeholder 3"/>
+          <p:cNvPicPr>
+            <a:picLocks noGrp="1" noChangeAspect="1"/>
+          </p:cNvPicPr>
           <p:nvPr>
             <p:ph idx="1"/>
           </p:nvPr>
-        </p:nvSpPr>
-        <p:spPr/>
-        <p:txBody>
-          <a:bodyPr/>
-          <a:lstStyle/>
-          <a:p>
-            <a:endParaRPr lang="en-US"/>
-          </a:p>
-        </p:txBody>
-      </p:sp>
+        </p:nvPicPr>
+        <p:blipFill>
+          <a:blip r:embed="rId2">
+            <a:extLst>
+              <a:ext uri="{28A0092B-C50C-407E-A947-70E740481C1C}">
+                <a14:useLocalDpi xmlns:a14="http://schemas.microsoft.com/office/drawing/2010/main" val="0"/>
+              </a:ext>
+            </a:extLst>
+          </a:blip>
+          <a:stretch>
+            <a:fillRect/>
+          </a:stretch>
+        </p:blipFill>
+        <p:spPr>
+          <a:xfrm>
+            <a:off x="2138082" y="189172"/>
+            <a:ext cx="7422777" cy="6466381"/>
+          </a:xfrm>
+        </p:spPr>
+      </p:pic>
     </p:spTree>
     <p:extLst>
       <p:ext uri="{BB962C8B-B14F-4D97-AF65-F5344CB8AC3E}">
         <p14:creationId xmlns:p14="http://schemas.microsoft.com/office/powerpoint/2010/main" val="283176399"/>
+      </p:ext>
+    </p:extLst>
+  </p:cSld>
+  <p:clrMapOvr>
+    <a:masterClrMapping/>
+  </p:clrMapOvr>
+</p:sld>
+</file>
+
+<file path=ppt/slides/slide5.xml><?xml version="1.0" encoding="utf-8"?>
+<p:sld xmlns:a="http://schemas.openxmlformats.org/drawingml/2006/main" xmlns:r="http://schemas.openxmlformats.org/officeDocument/2006/relationships" xmlns:p="http://schemas.openxmlformats.org/presentationml/2006/main">
+  <p:cSld>
+    <p:spTree>
+      <p:nvGrpSpPr>
+        <p:cNvPr id="1" name=""/>
+        <p:cNvGrpSpPr/>
+        <p:nvPr/>
+      </p:nvGrpSpPr>
+      <p:grpSpPr>
+        <a:xfrm>
+          <a:off x="0" y="0"/>
+          <a:ext cx="0" cy="0"/>
+          <a:chOff x="0" y="0"/>
+          <a:chExt cx="0" cy="0"/>
+        </a:xfrm>
+      </p:grpSpPr>
+      <p:pic>
+        <p:nvPicPr>
+          <p:cNvPr id="4" name="Content Placeholder 3"/>
+          <p:cNvPicPr>
+            <a:picLocks noGrp="1" noChangeAspect="1"/>
+          </p:cNvPicPr>
+          <p:nvPr>
+            <p:ph idx="1"/>
+          </p:nvPr>
+        </p:nvPicPr>
+        <p:blipFill>
+          <a:blip r:embed="rId2">
+            <a:extLst>
+              <a:ext uri="{28A0092B-C50C-407E-A947-70E740481C1C}">
+                <a14:useLocalDpi xmlns:a14="http://schemas.microsoft.com/office/drawing/2010/main" val="0"/>
+              </a:ext>
+            </a:extLst>
+          </a:blip>
+          <a:stretch>
+            <a:fillRect/>
+          </a:stretch>
+        </p:blipFill>
+        <p:spPr>
+          <a:xfrm>
+            <a:off x="3832413" y="-35574"/>
+            <a:ext cx="7758953" cy="6797518"/>
+          </a:xfrm>
+        </p:spPr>
+      </p:pic>
+      <p:sp>
+        <p:nvSpPr>
+          <p:cNvPr id="5" name="Rectangle 4"/>
+          <p:cNvSpPr/>
+          <p:nvPr/>
+        </p:nvSpPr>
+        <p:spPr>
+          <a:xfrm>
+            <a:off x="228599" y="6086672"/>
+            <a:ext cx="3217547" cy="369332"/>
+          </a:xfrm>
+          <a:prstGeom prst="rect">
+            <a:avLst/>
+          </a:prstGeom>
+        </p:spPr>
+        <p:txBody>
+          <a:bodyPr wrap="none">
+            <a:spAutoFit/>
+          </a:bodyPr>
+          <a:lstStyle/>
+          <a:p>
+            <a:r>
+              <a:rPr lang="en-US" smtClean="0">
+                <a:solidFill>
+                  <a:srgbClr val="313131"/>
+                </a:solidFill>
+                <a:latin typeface="Andale Mono" charset="0"/>
+                <a:ea typeface="Andale Mono" charset="0"/>
+                <a:cs typeface="Andale Mono" charset="0"/>
+              </a:rPr>
+              <a:t>info@munichmakerlab.de</a:t>
+            </a:r>
+            <a:endParaRPr lang="en-US" dirty="0">
+              <a:latin typeface="Andale Mono" charset="0"/>
+              <a:ea typeface="Andale Mono" charset="0"/>
+              <a:cs typeface="Andale Mono" charset="0"/>
+            </a:endParaRPr>
+          </a:p>
+        </p:txBody>
+      </p:sp>
+      <p:pic>
+        <p:nvPicPr>
+          <p:cNvPr id="6" name="Picture 5"/>
+          <p:cNvPicPr>
+            <a:picLocks noChangeAspect="1"/>
+          </p:cNvPicPr>
+          <p:nvPr/>
+        </p:nvPicPr>
+        <p:blipFill>
+          <a:blip r:embed="rId3">
+            <a:extLst>
+              <a:ext uri="{28A0092B-C50C-407E-A947-70E740481C1C}">
+                <a14:useLocalDpi xmlns:a14="http://schemas.microsoft.com/office/drawing/2010/main" val="0"/>
+              </a:ext>
+            </a:extLst>
+          </a:blip>
+          <a:stretch>
+            <a:fillRect/>
+          </a:stretch>
+        </p:blipFill>
+        <p:spPr>
+          <a:xfrm>
+            <a:off x="1227772" y="4219772"/>
+            <a:ext cx="1219200" cy="1866900"/>
+          </a:xfrm>
+          <a:prstGeom prst="rect">
+            <a:avLst/>
+          </a:prstGeom>
+        </p:spPr>
+      </p:pic>
+    </p:spTree>
+    <p:extLst>
+      <p:ext uri="{BB962C8B-B14F-4D97-AF65-F5344CB8AC3E}">
+        <p14:creationId xmlns:p14="http://schemas.microsoft.com/office/powerpoint/2010/main" val="671297721"/>
       </p:ext>
     </p:extLst>
   </p:cSld>

--- a/Pitch/Presentation.pptx
+++ b/Pitch/Presentation.pptx
@@ -3177,11 +3177,81 @@
         </p:blipFill>
         <p:spPr>
           <a:xfrm>
-            <a:off x="2931460" y="134568"/>
+            <a:off x="3146612" y="134568"/>
             <a:ext cx="6225987" cy="6601695"/>
           </a:xfrm>
         </p:spPr>
       </p:pic>
+      <p:sp>
+        <p:nvSpPr>
+          <p:cNvPr id="9" name="TextBox 8"/>
+          <p:cNvSpPr txBox="1"/>
+          <p:nvPr/>
+        </p:nvSpPr>
+        <p:spPr>
+          <a:xfrm>
+            <a:off x="1" y="739589"/>
+            <a:ext cx="3160058" cy="523220"/>
+          </a:xfrm>
+          <a:prstGeom prst="rect">
+            <a:avLst/>
+          </a:prstGeom>
+          <a:noFill/>
+        </p:spPr>
+        <p:txBody>
+          <a:bodyPr wrap="square" rtlCol="0">
+            <a:spAutoFit/>
+          </a:bodyPr>
+          <a:lstStyle/>
+          <a:p>
+            <a:r>
+              <a:rPr lang="en-US" sz="1400" dirty="0" smtClean="0">
+                <a:latin typeface="Andale Mono" charset="0"/>
+                <a:ea typeface="Andale Mono" charset="0"/>
+                <a:cs typeface="Andale Mono" charset="0"/>
+              </a:rPr>
+              <a:t>https://</a:t>
+            </a:r>
+            <a:r>
+              <a:rPr lang="en-US" sz="1400" dirty="0" err="1" smtClean="0">
+                <a:latin typeface="Andale Mono" charset="0"/>
+                <a:ea typeface="Andale Mono" charset="0"/>
+                <a:cs typeface="Andale Mono" charset="0"/>
+              </a:rPr>
+              <a:t>rdehorna.github.io</a:t>
+            </a:r>
+            <a:r>
+              <a:rPr lang="en-US" sz="1400" dirty="0" smtClean="0">
+                <a:latin typeface="Andale Mono" charset="0"/>
+                <a:ea typeface="Andale Mono" charset="0"/>
+                <a:cs typeface="Andale Mono" charset="0"/>
+              </a:rPr>
+              <a:t>/</a:t>
+            </a:r>
+            <a:r>
+              <a:rPr lang="en-US" sz="1400" dirty="0" err="1" smtClean="0">
+                <a:latin typeface="Andale Mono" charset="0"/>
+                <a:ea typeface="Andale Mono" charset="0"/>
+                <a:cs typeface="Andale Mono" charset="0"/>
+              </a:rPr>
+              <a:t>academichackathon</a:t>
+            </a:r>
+            <a:r>
+              <a:rPr lang="en-US" sz="1400" dirty="0" smtClean="0">
+                <a:latin typeface="Andale Mono" charset="0"/>
+                <a:ea typeface="Andale Mono" charset="0"/>
+                <a:cs typeface="Andale Mono" charset="0"/>
+              </a:rPr>
+              <a:t>/</a:t>
+            </a:r>
+            <a:endParaRPr lang="en-US" sz="1400" dirty="0">
+              <a:latin typeface="Andale Mono" charset="0"/>
+              <a:ea typeface="Andale Mono" charset="0"/>
+              <a:cs typeface="Andale Mono" charset="0"/>
+            </a:endParaRPr>
+          </a:p>
+        </p:txBody>
+      </p:sp>
     </p:spTree>
     <p:extLst>
       <p:ext uri="{BB962C8B-B14F-4D97-AF65-F5344CB8AC3E}">
@@ -3241,6 +3311,76 @@
           </a:xfrm>
         </p:spPr>
       </p:pic>
+      <p:sp>
+        <p:nvSpPr>
+          <p:cNvPr id="5" name="TextBox 4"/>
+          <p:cNvSpPr txBox="1"/>
+          <p:nvPr/>
+        </p:nvSpPr>
+        <p:spPr>
+          <a:xfrm>
+            <a:off x="8821271" y="6010836"/>
+            <a:ext cx="3160058" cy="523220"/>
+          </a:xfrm>
+          <a:prstGeom prst="rect">
+            <a:avLst/>
+          </a:prstGeom>
+          <a:noFill/>
+        </p:spPr>
+        <p:txBody>
+          <a:bodyPr wrap="square" rtlCol="0">
+            <a:spAutoFit/>
+          </a:bodyPr>
+          <a:lstStyle/>
+          <a:p>
+            <a:r>
+              <a:rPr lang="en-US" sz="1400" dirty="0" smtClean="0">
+                <a:latin typeface="Andale Mono" charset="0"/>
+                <a:ea typeface="Andale Mono" charset="0"/>
+                <a:cs typeface="Andale Mono" charset="0"/>
+              </a:rPr>
+              <a:t>https://</a:t>
+            </a:r>
+            <a:r>
+              <a:rPr lang="en-US" sz="1400" dirty="0" err="1" smtClean="0">
+                <a:latin typeface="Andale Mono" charset="0"/>
+                <a:ea typeface="Andale Mono" charset="0"/>
+                <a:cs typeface="Andale Mono" charset="0"/>
+              </a:rPr>
+              <a:t>rdehorna.github.io</a:t>
+            </a:r>
+            <a:r>
+              <a:rPr lang="en-US" sz="1400" dirty="0" smtClean="0">
+                <a:latin typeface="Andale Mono" charset="0"/>
+                <a:ea typeface="Andale Mono" charset="0"/>
+                <a:cs typeface="Andale Mono" charset="0"/>
+              </a:rPr>
+              <a:t>/</a:t>
+            </a:r>
+            <a:r>
+              <a:rPr lang="en-US" sz="1400" dirty="0" err="1" smtClean="0">
+                <a:latin typeface="Andale Mono" charset="0"/>
+                <a:ea typeface="Andale Mono" charset="0"/>
+                <a:cs typeface="Andale Mono" charset="0"/>
+              </a:rPr>
+              <a:t>academichackathon</a:t>
+            </a:r>
+            <a:r>
+              <a:rPr lang="en-US" sz="1400" dirty="0" smtClean="0">
+                <a:latin typeface="Andale Mono" charset="0"/>
+                <a:ea typeface="Andale Mono" charset="0"/>
+                <a:cs typeface="Andale Mono" charset="0"/>
+              </a:rPr>
+              <a:t>/</a:t>
+            </a:r>
+            <a:endParaRPr lang="en-US" sz="1400" dirty="0">
+              <a:latin typeface="Andale Mono" charset="0"/>
+              <a:ea typeface="Andale Mono" charset="0"/>
+              <a:cs typeface="Andale Mono" charset="0"/>
+            </a:endParaRPr>
+          </a:p>
+        </p:txBody>
+      </p:sp>
     </p:spTree>
     <p:extLst>
       <p:ext uri="{BB962C8B-B14F-4D97-AF65-F5344CB8AC3E}">
@@ -3300,6 +3440,76 @@
           </a:xfrm>
         </p:spPr>
       </p:pic>
+      <p:sp>
+        <p:nvSpPr>
+          <p:cNvPr id="5" name="TextBox 4"/>
+          <p:cNvSpPr txBox="1"/>
+          <p:nvPr/>
+        </p:nvSpPr>
+        <p:spPr>
+          <a:xfrm>
+            <a:off x="201707" y="189172"/>
+            <a:ext cx="3160058" cy="523220"/>
+          </a:xfrm>
+          <a:prstGeom prst="rect">
+            <a:avLst/>
+          </a:prstGeom>
+          <a:noFill/>
+        </p:spPr>
+        <p:txBody>
+          <a:bodyPr wrap="square" rtlCol="0">
+            <a:spAutoFit/>
+          </a:bodyPr>
+          <a:lstStyle/>
+          <a:p>
+            <a:r>
+              <a:rPr lang="en-US" sz="1400" dirty="0" smtClean="0">
+                <a:latin typeface="Andale Mono" charset="0"/>
+                <a:ea typeface="Andale Mono" charset="0"/>
+                <a:cs typeface="Andale Mono" charset="0"/>
+              </a:rPr>
+              <a:t>https://</a:t>
+            </a:r>
+            <a:r>
+              <a:rPr lang="en-US" sz="1400" dirty="0" err="1" smtClean="0">
+                <a:latin typeface="Andale Mono" charset="0"/>
+                <a:ea typeface="Andale Mono" charset="0"/>
+                <a:cs typeface="Andale Mono" charset="0"/>
+              </a:rPr>
+              <a:t>rdehorna.github.io</a:t>
+            </a:r>
+            <a:r>
+              <a:rPr lang="en-US" sz="1400" dirty="0" smtClean="0">
+                <a:latin typeface="Andale Mono" charset="0"/>
+                <a:ea typeface="Andale Mono" charset="0"/>
+                <a:cs typeface="Andale Mono" charset="0"/>
+              </a:rPr>
+              <a:t>/</a:t>
+            </a:r>
+            <a:r>
+              <a:rPr lang="en-US" sz="1400" dirty="0" err="1" smtClean="0">
+                <a:latin typeface="Andale Mono" charset="0"/>
+                <a:ea typeface="Andale Mono" charset="0"/>
+                <a:cs typeface="Andale Mono" charset="0"/>
+              </a:rPr>
+              <a:t>academichackathon</a:t>
+            </a:r>
+            <a:r>
+              <a:rPr lang="en-US" sz="1400" dirty="0" smtClean="0">
+                <a:latin typeface="Andale Mono" charset="0"/>
+                <a:ea typeface="Andale Mono" charset="0"/>
+                <a:cs typeface="Andale Mono" charset="0"/>
+              </a:rPr>
+              <a:t>/</a:t>
+            </a:r>
+            <a:endParaRPr lang="en-US" sz="1400" dirty="0">
+              <a:latin typeface="Andale Mono" charset="0"/>
+              <a:ea typeface="Andale Mono" charset="0"/>
+              <a:cs typeface="Andale Mono" charset="0"/>
+            </a:endParaRPr>
+          </a:p>
+        </p:txBody>
+      </p:sp>
     </p:spTree>
     <p:extLst>
       <p:ext uri="{BB962C8B-B14F-4D97-AF65-F5344CB8AC3E}">
@@ -3429,6 +3639,76 @@
           </a:prstGeom>
         </p:spPr>
       </p:pic>
+      <p:sp>
+        <p:nvSpPr>
+          <p:cNvPr id="7" name="TextBox 6"/>
+          <p:cNvSpPr txBox="1"/>
+          <p:nvPr/>
+        </p:nvSpPr>
+        <p:spPr>
+          <a:xfrm>
+            <a:off x="80290" y="256914"/>
+            <a:ext cx="3160058" cy="523220"/>
+          </a:xfrm>
+          <a:prstGeom prst="rect">
+            <a:avLst/>
+          </a:prstGeom>
+          <a:noFill/>
+        </p:spPr>
+        <p:txBody>
+          <a:bodyPr wrap="square" rtlCol="0">
+            <a:spAutoFit/>
+          </a:bodyPr>
+          <a:lstStyle/>
+          <a:p>
+            <a:r>
+              <a:rPr lang="en-US" sz="1400" dirty="0" smtClean="0">
+                <a:latin typeface="Andale Mono" charset="0"/>
+                <a:ea typeface="Andale Mono" charset="0"/>
+                <a:cs typeface="Andale Mono" charset="0"/>
+              </a:rPr>
+              <a:t>https://</a:t>
+            </a:r>
+            <a:r>
+              <a:rPr lang="en-US" sz="1400" dirty="0" err="1" smtClean="0">
+                <a:latin typeface="Andale Mono" charset="0"/>
+                <a:ea typeface="Andale Mono" charset="0"/>
+                <a:cs typeface="Andale Mono" charset="0"/>
+              </a:rPr>
+              <a:t>rdehorna.github.io</a:t>
+            </a:r>
+            <a:r>
+              <a:rPr lang="en-US" sz="1400" dirty="0" smtClean="0">
+                <a:latin typeface="Andale Mono" charset="0"/>
+                <a:ea typeface="Andale Mono" charset="0"/>
+                <a:cs typeface="Andale Mono" charset="0"/>
+              </a:rPr>
+              <a:t>/</a:t>
+            </a:r>
+            <a:r>
+              <a:rPr lang="en-US" sz="1400" dirty="0" err="1" smtClean="0">
+                <a:latin typeface="Andale Mono" charset="0"/>
+                <a:ea typeface="Andale Mono" charset="0"/>
+                <a:cs typeface="Andale Mono" charset="0"/>
+              </a:rPr>
+              <a:t>academichackathon</a:t>
+            </a:r>
+            <a:r>
+              <a:rPr lang="en-US" sz="1400" dirty="0" smtClean="0">
+                <a:latin typeface="Andale Mono" charset="0"/>
+                <a:ea typeface="Andale Mono" charset="0"/>
+                <a:cs typeface="Andale Mono" charset="0"/>
+              </a:rPr>
+              <a:t>/</a:t>
+            </a:r>
+            <a:endParaRPr lang="en-US" sz="1400" dirty="0">
+              <a:latin typeface="Andale Mono" charset="0"/>
+              <a:ea typeface="Andale Mono" charset="0"/>
+              <a:cs typeface="Andale Mono" charset="0"/>
+            </a:endParaRPr>
+          </a:p>
+        </p:txBody>
+      </p:sp>
     </p:spTree>
     <p:extLst>
       <p:ext uri="{BB962C8B-B14F-4D97-AF65-F5344CB8AC3E}">

--- a/Pitch/Presentation.pptx
+++ b/Pitch/Presentation.pptx
@@ -3510,6 +3510,36 @@
           </a:p>
         </p:txBody>
       </p:sp>
+      <p:pic>
+        <p:nvPicPr>
+          <p:cNvPr id="6" name="Picture 5"/>
+          <p:cNvPicPr>
+            <a:picLocks noChangeAspect="1"/>
+          </p:cNvPicPr>
+          <p:nvPr/>
+        </p:nvPicPr>
+        <p:blipFill>
+          <a:blip r:embed="rId3">
+            <a:extLst>
+              <a:ext uri="{28A0092B-C50C-407E-A947-70E740481C1C}">
+                <a14:useLocalDpi xmlns:a14="http://schemas.microsoft.com/office/drawing/2010/main" val="0"/>
+              </a:ext>
+            </a:extLst>
+          </a:blip>
+          <a:stretch>
+            <a:fillRect/>
+          </a:stretch>
+        </p:blipFill>
+        <p:spPr>
+          <a:xfrm>
+            <a:off x="524435" y="5095404"/>
+            <a:ext cx="2312894" cy="1256089"/>
+          </a:xfrm>
+          <a:prstGeom prst="rect">
+            <a:avLst/>
+          </a:prstGeom>
+        </p:spPr>
+      </p:pic>
     </p:spTree>
     <p:extLst>
       <p:ext uri="{BB962C8B-B14F-4D97-AF65-F5344CB8AC3E}">
